--- a/presentataion.pptx
+++ b/presentataion.pptx
@@ -19,6 +19,7 @@
     <p:sldId id="268" r:id="rId13"/>
     <p:sldId id="269" r:id="rId14"/>
     <p:sldId id="270" r:id="rId15"/>
+    <p:sldId id="271" r:id="rId16"/>
   </p:sldIdLst>
   <p:sldSz cx="12192000" cy="6858000"/>
   <p:notesSz cx="6858000" cy="9144000"/>
@@ -6972,6 +6973,456 @@
 </p:sld>
 </file>
 
+<file path=ppt/slides/slide15.xml><?xml version="1.0" encoding="utf-8"?>
+<p:sld xmlns:a="http://schemas.openxmlformats.org/drawingml/2006/main" xmlns:r="http://schemas.openxmlformats.org/officeDocument/2006/relationships" xmlns:p="http://schemas.openxmlformats.org/presentationml/2006/main">
+  <p:cSld>
+    <p:bg>
+      <p:bgPr>
+        <a:solidFill>
+          <a:schemeClr val="bg1">
+            <a:lumMod val="85000"/>
+            <a:lumOff val="15000"/>
+          </a:schemeClr>
+        </a:solidFill>
+        <a:effectLst/>
+      </p:bgPr>
+    </p:bg>
+    <p:spTree>
+      <p:nvGrpSpPr>
+        <p:cNvPr id="1" name=""/>
+        <p:cNvGrpSpPr/>
+        <p:nvPr/>
+      </p:nvGrpSpPr>
+      <p:grpSpPr>
+        <a:xfrm>
+          <a:off x="0" y="0"/>
+          <a:ext cx="0" cy="0"/>
+          <a:chOff x="0" y="0"/>
+          <a:chExt cx="0" cy="0"/>
+        </a:xfrm>
+      </p:grpSpPr>
+      <p:cxnSp>
+        <p:nvCxnSpPr>
+          <p:cNvPr id="7" name="Straight Connector 6">
+            <a:extLst>
+              <a:ext uri="{FF2B5EF4-FFF2-40B4-BE49-F238E27FC236}">
+                <a16:creationId xmlns:a16="http://schemas.microsoft.com/office/drawing/2014/main" id="{EAD4CCDA-06BF-4D2A-B44F-195AEC0B5B22}"/>
+              </a:ext>
+              <a:ext uri="{C183D7F6-B498-43B3-948B-1728B52AA6E4}">
+                <adec:decorative xmlns:adec="http://schemas.microsoft.com/office/drawing/2017/decorative" val="1"/>
+              </a:ext>
+            </a:extLst>
+          </p:cNvPr>
+          <p:cNvCxnSpPr>
+            <a:cxnSpLocks noGrp="1" noRot="1" noChangeAspect="1" noMove="1" noResize="1" noEditPoints="1" noAdjustHandles="1" noChangeArrowheads="1" noChangeShapeType="1"/>
+          </p:cNvCxnSpPr>
+          <p:nvPr>
+            <p:extLst>
+              <p:ext uri="{386F3935-93C4-4BCD-93E2-E3B085C9AB24}">
+                <p16:designElem xmlns:p16="http://schemas.microsoft.com/office/powerpoint/2015/main" val="1"/>
+              </p:ext>
+            </p:extLst>
+          </p:nvPr>
+        </p:nvCxnSpPr>
+        <p:spPr>
+          <a:xfrm>
+            <a:off x="952498" y="6252722"/>
+            <a:ext cx="10325101" cy="0"/>
+          </a:xfrm>
+          <a:prstGeom prst="line">
+            <a:avLst/>
+          </a:prstGeom>
+          <a:ln w="10795">
+            <a:solidFill>
+              <a:schemeClr val="tx2"/>
+            </a:solidFill>
+          </a:ln>
+        </p:spPr>
+        <p:style>
+          <a:lnRef idx="1">
+            <a:schemeClr val="accent1"/>
+          </a:lnRef>
+          <a:fillRef idx="0">
+            <a:schemeClr val="accent1"/>
+          </a:fillRef>
+          <a:effectRef idx="0">
+            <a:schemeClr val="accent1"/>
+          </a:effectRef>
+          <a:fontRef idx="minor">
+            <a:schemeClr val="tx1"/>
+          </a:fontRef>
+        </p:style>
+      </p:cxnSp>
+      <p:sp useBgFill="1">
+        <p:nvSpPr>
+          <p:cNvPr id="9" name="Rectangle 8">
+            <a:extLst>
+              <a:ext uri="{FF2B5EF4-FFF2-40B4-BE49-F238E27FC236}">
+                <a16:creationId xmlns:a16="http://schemas.microsoft.com/office/drawing/2014/main" id="{7C8D1FBA-DEC3-4F56-A38D-E61978B7ACF9}"/>
+              </a:ext>
+              <a:ext uri="{C183D7F6-B498-43B3-948B-1728B52AA6E4}">
+                <adec:decorative xmlns:adec="http://schemas.microsoft.com/office/drawing/2017/decorative" val="1"/>
+              </a:ext>
+            </a:extLst>
+          </p:cNvPr>
+          <p:cNvSpPr>
+            <a:spLocks noGrp="1" noRot="1" noChangeAspect="1" noMove="1" noResize="1" noEditPoints="1" noAdjustHandles="1" noChangeArrowheads="1" noChangeShapeType="1" noTextEdit="1"/>
+          </p:cNvSpPr>
+          <p:nvPr>
+            <p:extLst>
+              <p:ext uri="{386F3935-93C4-4BCD-93E2-E3B085C9AB24}">
+                <p16:designElem xmlns:p16="http://schemas.microsoft.com/office/powerpoint/2015/main" val="1"/>
+              </p:ext>
+            </p:extLst>
+          </p:nvPr>
+        </p:nvSpPr>
+        <p:spPr>
+          <a:xfrm>
+            <a:off x="0" y="0"/>
+            <a:ext cx="12192000" cy="6858000"/>
+          </a:xfrm>
+          <a:prstGeom prst="rect">
+            <a:avLst/>
+          </a:prstGeom>
+          <a:ln w="12700" cap="flat" cmpd="sng" algn="ctr">
+            <a:noFill/>
+            <a:prstDash val="solid"/>
+            <a:miter lim="800000"/>
+          </a:ln>
+          <a:effectLst/>
+        </p:spPr>
+        <p:style>
+          <a:lnRef idx="2">
+            <a:schemeClr val="accent1">
+              <a:shade val="50000"/>
+            </a:schemeClr>
+          </a:lnRef>
+          <a:fillRef idx="1">
+            <a:schemeClr val="accent1"/>
+          </a:fillRef>
+          <a:effectRef idx="0">
+            <a:schemeClr val="accent1"/>
+          </a:effectRef>
+          <a:fontRef idx="minor">
+            <a:schemeClr val="lt1"/>
+          </a:fontRef>
+        </p:style>
+        <p:txBody>
+          <a:bodyPr rtlCol="0" anchor="ctr"/>
+          <a:lstStyle/>
+          <a:p>
+            <a:pPr algn="ctr"/>
+            <a:endParaRPr lang="en-US"/>
+          </a:p>
+        </p:txBody>
+      </p:sp>
+      <p:sp>
+        <p:nvSpPr>
+          <p:cNvPr id="11" name="Freeform: Shape 10">
+            <a:extLst>
+              <a:ext uri="{FF2B5EF4-FFF2-40B4-BE49-F238E27FC236}">
+                <a16:creationId xmlns:a16="http://schemas.microsoft.com/office/drawing/2014/main" id="{AEA77D21-6078-416C-9613-6B2B4D06A3C3}"/>
+              </a:ext>
+              <a:ext uri="{C183D7F6-B498-43B3-948B-1728B52AA6E4}">
+                <adec:decorative xmlns:adec="http://schemas.microsoft.com/office/drawing/2017/decorative" val="1"/>
+              </a:ext>
+            </a:extLst>
+          </p:cNvPr>
+          <p:cNvSpPr>
+            <a:spLocks noGrp="1" noRot="1" noChangeAspect="1" noMove="1" noResize="1" noEditPoints="1" noAdjustHandles="1" noChangeArrowheads="1" noChangeShapeType="1" noTextEdit="1"/>
+          </p:cNvSpPr>
+          <p:nvPr>
+            <p:extLst>
+              <p:ext uri="{386F3935-93C4-4BCD-93E2-E3B085C9AB24}">
+                <p16:designElem xmlns:p16="http://schemas.microsoft.com/office/powerpoint/2015/main" val="1"/>
+              </p:ext>
+            </p:extLst>
+          </p:nvPr>
+        </p:nvSpPr>
+        <p:spPr>
+          <a:xfrm>
+            <a:off x="3906495" y="854115"/>
+            <a:ext cx="4379010" cy="5197947"/>
+          </a:xfrm>
+          <a:custGeom>
+            <a:avLst/>
+            <a:gdLst>
+              <a:gd name="connsiteX0" fmla="*/ 2209538 w 4419600"/>
+              <a:gd name="connsiteY0" fmla="*/ 0 h 5246128"/>
+              <a:gd name="connsiteX1" fmla="*/ 2210062 w 4419600"/>
+              <a:gd name="connsiteY1" fmla="*/ 0 h 5246128"/>
+              <a:gd name="connsiteX2" fmla="*/ 4419600 w 4419600"/>
+              <a:gd name="connsiteY2" fmla="*/ 2209541 h 5246128"/>
+              <a:gd name="connsiteX3" fmla="*/ 4419600 w 4419600"/>
+              <a:gd name="connsiteY3" fmla="*/ 2480538 h 5246128"/>
+              <a:gd name="connsiteX4" fmla="*/ 4419600 w 4419600"/>
+              <a:gd name="connsiteY4" fmla="*/ 4975131 h 5246128"/>
+              <a:gd name="connsiteX5" fmla="*/ 4419600 w 4419600"/>
+              <a:gd name="connsiteY5" fmla="*/ 5246128 h 5246128"/>
+              <a:gd name="connsiteX6" fmla="*/ 0 w 4419600"/>
+              <a:gd name="connsiteY6" fmla="*/ 5246128 h 5246128"/>
+              <a:gd name="connsiteX7" fmla="*/ 0 w 4419600"/>
+              <a:gd name="connsiteY7" fmla="*/ 4975131 h 5246128"/>
+              <a:gd name="connsiteX8" fmla="*/ 0 w 4419600"/>
+              <a:gd name="connsiteY8" fmla="*/ 2480538 h 5246128"/>
+              <a:gd name="connsiteX9" fmla="*/ 0 w 4419600"/>
+              <a:gd name="connsiteY9" fmla="*/ 2209541 h 5246128"/>
+              <a:gd name="connsiteX10" fmla="*/ 2209538 w 4419600"/>
+              <a:gd name="connsiteY10" fmla="*/ 0 h 5246128"/>
+              <a:gd name="connsiteX0" fmla="*/ 2209538 w 4419600"/>
+              <a:gd name="connsiteY0" fmla="*/ 0 h 5246128"/>
+              <a:gd name="connsiteX1" fmla="*/ 2210062 w 4419600"/>
+              <a:gd name="connsiteY1" fmla="*/ 0 h 5246128"/>
+              <a:gd name="connsiteX2" fmla="*/ 4419600 w 4419600"/>
+              <a:gd name="connsiteY2" fmla="*/ 2209541 h 5246128"/>
+              <a:gd name="connsiteX3" fmla="*/ 4419600 w 4419600"/>
+              <a:gd name="connsiteY3" fmla="*/ 4975131 h 5246128"/>
+              <a:gd name="connsiteX4" fmla="*/ 4419600 w 4419600"/>
+              <a:gd name="connsiteY4" fmla="*/ 5246128 h 5246128"/>
+              <a:gd name="connsiteX5" fmla="*/ 0 w 4419600"/>
+              <a:gd name="connsiteY5" fmla="*/ 5246128 h 5246128"/>
+              <a:gd name="connsiteX6" fmla="*/ 0 w 4419600"/>
+              <a:gd name="connsiteY6" fmla="*/ 4975131 h 5246128"/>
+              <a:gd name="connsiteX7" fmla="*/ 0 w 4419600"/>
+              <a:gd name="connsiteY7" fmla="*/ 2480538 h 5246128"/>
+              <a:gd name="connsiteX8" fmla="*/ 0 w 4419600"/>
+              <a:gd name="connsiteY8" fmla="*/ 2209541 h 5246128"/>
+              <a:gd name="connsiteX9" fmla="*/ 2209538 w 4419600"/>
+              <a:gd name="connsiteY9" fmla="*/ 0 h 5246128"/>
+              <a:gd name="connsiteX0" fmla="*/ 2209538 w 4419600"/>
+              <a:gd name="connsiteY0" fmla="*/ 0 h 5246128"/>
+              <a:gd name="connsiteX1" fmla="*/ 2210062 w 4419600"/>
+              <a:gd name="connsiteY1" fmla="*/ 0 h 5246128"/>
+              <a:gd name="connsiteX2" fmla="*/ 4419600 w 4419600"/>
+              <a:gd name="connsiteY2" fmla="*/ 2209541 h 5246128"/>
+              <a:gd name="connsiteX3" fmla="*/ 4419600 w 4419600"/>
+              <a:gd name="connsiteY3" fmla="*/ 5246128 h 5246128"/>
+              <a:gd name="connsiteX4" fmla="*/ 0 w 4419600"/>
+              <a:gd name="connsiteY4" fmla="*/ 5246128 h 5246128"/>
+              <a:gd name="connsiteX5" fmla="*/ 0 w 4419600"/>
+              <a:gd name="connsiteY5" fmla="*/ 4975131 h 5246128"/>
+              <a:gd name="connsiteX6" fmla="*/ 0 w 4419600"/>
+              <a:gd name="connsiteY6" fmla="*/ 2480538 h 5246128"/>
+              <a:gd name="connsiteX7" fmla="*/ 0 w 4419600"/>
+              <a:gd name="connsiteY7" fmla="*/ 2209541 h 5246128"/>
+              <a:gd name="connsiteX8" fmla="*/ 2209538 w 4419600"/>
+              <a:gd name="connsiteY8" fmla="*/ 0 h 5246128"/>
+              <a:gd name="connsiteX0" fmla="*/ 2209538 w 4419600"/>
+              <a:gd name="connsiteY0" fmla="*/ 0 h 5246128"/>
+              <a:gd name="connsiteX1" fmla="*/ 2210062 w 4419600"/>
+              <a:gd name="connsiteY1" fmla="*/ 0 h 5246128"/>
+              <a:gd name="connsiteX2" fmla="*/ 4419600 w 4419600"/>
+              <a:gd name="connsiteY2" fmla="*/ 2209541 h 5246128"/>
+              <a:gd name="connsiteX3" fmla="*/ 4419600 w 4419600"/>
+              <a:gd name="connsiteY3" fmla="*/ 5246128 h 5246128"/>
+              <a:gd name="connsiteX4" fmla="*/ 0 w 4419600"/>
+              <a:gd name="connsiteY4" fmla="*/ 5246128 h 5246128"/>
+              <a:gd name="connsiteX5" fmla="*/ 0 w 4419600"/>
+              <a:gd name="connsiteY5" fmla="*/ 2480538 h 5246128"/>
+              <a:gd name="connsiteX6" fmla="*/ 0 w 4419600"/>
+              <a:gd name="connsiteY6" fmla="*/ 2209541 h 5246128"/>
+              <a:gd name="connsiteX7" fmla="*/ 2209538 w 4419600"/>
+              <a:gd name="connsiteY7" fmla="*/ 0 h 5246128"/>
+            </a:gdLst>
+            <a:ahLst/>
+            <a:cxnLst>
+              <a:cxn ang="0">
+                <a:pos x="connsiteX0" y="connsiteY0"/>
+              </a:cxn>
+              <a:cxn ang="0">
+                <a:pos x="connsiteX1" y="connsiteY1"/>
+              </a:cxn>
+              <a:cxn ang="0">
+                <a:pos x="connsiteX2" y="connsiteY2"/>
+              </a:cxn>
+              <a:cxn ang="0">
+                <a:pos x="connsiteX3" y="connsiteY3"/>
+              </a:cxn>
+              <a:cxn ang="0">
+                <a:pos x="connsiteX4" y="connsiteY4"/>
+              </a:cxn>
+              <a:cxn ang="0">
+                <a:pos x="connsiteX5" y="connsiteY5"/>
+              </a:cxn>
+              <a:cxn ang="0">
+                <a:pos x="connsiteX6" y="connsiteY6"/>
+              </a:cxn>
+              <a:cxn ang="0">
+                <a:pos x="connsiteX7" y="connsiteY7"/>
+              </a:cxn>
+            </a:cxnLst>
+            <a:rect l="l" t="t" r="r" b="b"/>
+            <a:pathLst>
+              <a:path w="4419600" h="5246128">
+                <a:moveTo>
+                  <a:pt x="2209538" y="0"/>
+                </a:moveTo>
+                <a:lnTo>
+                  <a:pt x="2210062" y="0"/>
+                </a:lnTo>
+                <a:cubicBezTo>
+                  <a:pt x="3430375" y="0"/>
+                  <a:pt x="4419600" y="989251"/>
+                  <a:pt x="4419600" y="2209541"/>
+                </a:cubicBezTo>
+                <a:lnTo>
+                  <a:pt x="4419600" y="5246128"/>
+                </a:lnTo>
+                <a:lnTo>
+                  <a:pt x="0" y="5246128"/>
+                </a:lnTo>
+                <a:lnTo>
+                  <a:pt x="0" y="2480538"/>
+                </a:lnTo>
+                <a:lnTo>
+                  <a:pt x="0" y="2209541"/>
+                </a:lnTo>
+                <a:cubicBezTo>
+                  <a:pt x="0" y="989251"/>
+                  <a:pt x="989222" y="0"/>
+                  <a:pt x="2209538" y="0"/>
+                </a:cubicBezTo>
+                <a:close/>
+              </a:path>
+            </a:pathLst>
+          </a:custGeom>
+          <a:solidFill>
+            <a:schemeClr val="tx2">
+              <a:alpha val="15000"/>
+            </a:schemeClr>
+          </a:solidFill>
+          <a:ln>
+            <a:noFill/>
+          </a:ln>
+        </p:spPr>
+        <p:style>
+          <a:lnRef idx="2">
+            <a:schemeClr val="accent1">
+              <a:shade val="50000"/>
+            </a:schemeClr>
+          </a:lnRef>
+          <a:fillRef idx="1">
+            <a:schemeClr val="accent1"/>
+          </a:fillRef>
+          <a:effectRef idx="0">
+            <a:schemeClr val="accent1"/>
+          </a:effectRef>
+          <a:fontRef idx="minor">
+            <a:schemeClr val="lt1"/>
+          </a:fontRef>
+        </p:style>
+        <p:txBody>
+          <a:bodyPr wrap="square" rtlCol="0" anchor="ctr">
+            <a:noAutofit/>
+          </a:bodyPr>
+          <a:lstStyle/>
+          <a:p>
+            <a:pPr algn="ctr"/>
+            <a:endParaRPr lang="en-US"/>
+          </a:p>
+        </p:txBody>
+      </p:sp>
+      <p:sp>
+        <p:nvSpPr>
+          <p:cNvPr id="2" name="Title 1">
+            <a:extLst>
+              <a:ext uri="{FF2B5EF4-FFF2-40B4-BE49-F238E27FC236}">
+                <a16:creationId xmlns:a16="http://schemas.microsoft.com/office/drawing/2014/main" id="{385DF4A3-C2BE-3B0D-9D6B-BDA0E41913E9}"/>
+              </a:ext>
+            </a:extLst>
+          </p:cNvPr>
+          <p:cNvSpPr>
+            <a:spLocks noGrp="1"/>
+          </p:cNvSpPr>
+          <p:nvPr>
+            <p:ph type="title"/>
+          </p:nvPr>
+        </p:nvSpPr>
+        <p:spPr>
+          <a:xfrm>
+            <a:off x="4448497" y="1500027"/>
+            <a:ext cx="3295006" cy="2202601"/>
+          </a:xfrm>
+        </p:spPr>
+        <p:txBody>
+          <a:bodyPr vert="horz" lIns="91440" tIns="45720" rIns="91440" bIns="45720" rtlCol="0" anchor="b">
+            <a:normAutofit/>
+          </a:bodyPr>
+          <a:lstStyle/>
+          <a:p>
+            <a:pPr algn="ctr"/>
+            <a:r>
+              <a:rPr lang="en-US" dirty="0"/>
+              <a:t>Thank You</a:t>
+            </a:r>
+          </a:p>
+        </p:txBody>
+      </p:sp>
+      <p:cxnSp>
+        <p:nvCxnSpPr>
+          <p:cNvPr id="13" name="Straight Connector 12">
+            <a:extLst>
+              <a:ext uri="{FF2B5EF4-FFF2-40B4-BE49-F238E27FC236}">
+                <a16:creationId xmlns:a16="http://schemas.microsoft.com/office/drawing/2014/main" id="{1E7596C2-1437-433F-B5CF-BAA3E41248E0}"/>
+              </a:ext>
+              <a:ext uri="{C183D7F6-B498-43B3-948B-1728B52AA6E4}">
+                <adec:decorative xmlns:adec="http://schemas.microsoft.com/office/drawing/2017/decorative" val="1"/>
+              </a:ext>
+            </a:extLst>
+          </p:cNvPr>
+          <p:cNvCxnSpPr>
+            <a:cxnSpLocks noGrp="1" noRot="1" noChangeAspect="1" noMove="1" noResize="1" noEditPoints="1" noAdjustHandles="1" noChangeArrowheads="1" noChangeShapeType="1"/>
+          </p:cNvCxnSpPr>
+          <p:nvPr>
+            <p:extLst>
+              <p:ext uri="{386F3935-93C4-4BCD-93E2-E3B085C9AB24}">
+                <p16:designElem xmlns:p16="http://schemas.microsoft.com/office/powerpoint/2015/main" val="1"/>
+              </p:ext>
+            </p:extLst>
+          </p:nvPr>
+        </p:nvCxnSpPr>
+        <p:spPr>
+          <a:xfrm flipH="1">
+            <a:off x="5366791" y="4316294"/>
+            <a:ext cx="1458419" cy="0"/>
+          </a:xfrm>
+          <a:prstGeom prst="line">
+            <a:avLst/>
+          </a:prstGeom>
+          <a:ln w="10795">
+            <a:solidFill>
+              <a:schemeClr val="tx2"/>
+            </a:solidFill>
+          </a:ln>
+        </p:spPr>
+        <p:style>
+          <a:lnRef idx="1">
+            <a:schemeClr val="accent1"/>
+          </a:lnRef>
+          <a:fillRef idx="0">
+            <a:schemeClr val="accent1"/>
+          </a:fillRef>
+          <a:effectRef idx="0">
+            <a:schemeClr val="accent1"/>
+          </a:effectRef>
+          <a:fontRef idx="minor">
+            <a:schemeClr val="tx1"/>
+          </a:fontRef>
+        </p:style>
+      </p:cxnSp>
+    </p:spTree>
+    <p:extLst>
+      <p:ext uri="{BB962C8B-B14F-4D97-AF65-F5344CB8AC3E}">
+        <p14:creationId xmlns:p14="http://schemas.microsoft.com/office/powerpoint/2010/main" val="2686454223"/>
+      </p:ext>
+    </p:extLst>
+  </p:cSld>
+  <p:clrMapOvr>
+    <a:masterClrMapping/>
+  </p:clrMapOvr>
+</p:sld>
+</file>
+
 <file path=ppt/slides/slide2.xml><?xml version="1.0" encoding="utf-8"?>
 <p:sld xmlns:a="http://schemas.openxmlformats.org/drawingml/2006/main" xmlns:r="http://schemas.openxmlformats.org/officeDocument/2006/relationships" xmlns:p="http://schemas.openxmlformats.org/presentationml/2006/main">
   <p:cSld>

--- a/presentataion.pptx
+++ b/presentataion.pptx
@@ -19,7 +19,9 @@
     <p:sldId id="268" r:id="rId13"/>
     <p:sldId id="269" r:id="rId14"/>
     <p:sldId id="270" r:id="rId15"/>
-    <p:sldId id="271" r:id="rId16"/>
+    <p:sldId id="272" r:id="rId16"/>
+    <p:sldId id="273" r:id="rId17"/>
+    <p:sldId id="271" r:id="rId18"/>
   </p:sldIdLst>
   <p:sldSz cx="12192000" cy="6858000"/>
   <p:notesSz cx="6858000" cy="9144000"/>
@@ -277,7 +279,7 @@
           <a:p>
             <a:fld id="{326951E3-958F-4611-B170-D081BA0250F9}" type="datetimeFigureOut">
               <a:rPr lang="en-US" smtClean="0"/>
-              <a:t>4/4/24</a:t>
+              <a:t>4/12/24</a:t>
             </a:fld>
             <a:endParaRPr lang="en-US"/>
           </a:p>
@@ -475,7 +477,7 @@
           <a:p>
             <a:fld id="{326951E3-958F-4611-B170-D081BA0250F9}" type="datetimeFigureOut">
               <a:rPr lang="en-US" smtClean="0"/>
-              <a:t>4/4/24</a:t>
+              <a:t>4/12/24</a:t>
             </a:fld>
             <a:endParaRPr lang="en-US"/>
           </a:p>
@@ -683,7 +685,7 @@
           <a:p>
             <a:fld id="{326951E3-958F-4611-B170-D081BA0250F9}" type="datetimeFigureOut">
               <a:rPr lang="en-US" smtClean="0"/>
-              <a:t>4/4/24</a:t>
+              <a:t>4/12/24</a:t>
             </a:fld>
             <a:endParaRPr lang="en-US"/>
           </a:p>
@@ -881,7 +883,7 @@
           <a:p>
             <a:fld id="{326951E3-958F-4611-B170-D081BA0250F9}" type="datetimeFigureOut">
               <a:rPr lang="en-US" smtClean="0"/>
-              <a:t>4/4/24</a:t>
+              <a:t>4/12/24</a:t>
             </a:fld>
             <a:endParaRPr lang="en-US"/>
           </a:p>
@@ -1158,7 +1160,7 @@
           <a:p>
             <a:fld id="{326951E3-958F-4611-B170-D081BA0250F9}" type="datetimeFigureOut">
               <a:rPr lang="en-US" smtClean="0"/>
-              <a:t>4/4/24</a:t>
+              <a:t>4/12/24</a:t>
             </a:fld>
             <a:endParaRPr lang="en-US"/>
           </a:p>
@@ -1423,7 +1425,7 @@
           <a:p>
             <a:fld id="{326951E3-958F-4611-B170-D081BA0250F9}" type="datetimeFigureOut">
               <a:rPr lang="en-US" smtClean="0"/>
-              <a:t>4/4/24</a:t>
+              <a:t>4/12/24</a:t>
             </a:fld>
             <a:endParaRPr lang="en-US"/>
           </a:p>
@@ -1845,7 +1847,7 @@
           <a:p>
             <a:fld id="{326951E3-958F-4611-B170-D081BA0250F9}" type="datetimeFigureOut">
               <a:rPr lang="en-US" smtClean="0"/>
-              <a:t>4/4/24</a:t>
+              <a:t>4/12/24</a:t>
             </a:fld>
             <a:endParaRPr lang="en-US"/>
           </a:p>
@@ -1997,7 +1999,7 @@
           <a:p>
             <a:fld id="{326951E3-958F-4611-B170-D081BA0250F9}" type="datetimeFigureOut">
               <a:rPr lang="en-US" smtClean="0"/>
-              <a:t>4/4/24</a:t>
+              <a:t>4/12/24</a:t>
             </a:fld>
             <a:endParaRPr lang="en-US"/>
           </a:p>
@@ -2110,7 +2112,7 @@
           <a:p>
             <a:fld id="{326951E3-958F-4611-B170-D081BA0250F9}" type="datetimeFigureOut">
               <a:rPr lang="en-US" smtClean="0"/>
-              <a:t>4/4/24</a:t>
+              <a:t>4/12/24</a:t>
             </a:fld>
             <a:endParaRPr lang="en-US"/>
           </a:p>
@@ -2428,7 +2430,7 @@
           <a:p>
             <a:fld id="{326951E3-958F-4611-B170-D081BA0250F9}" type="datetimeFigureOut">
               <a:rPr lang="en-US" smtClean="0"/>
-              <a:t>4/4/24</a:t>
+              <a:t>4/12/24</a:t>
             </a:fld>
             <a:endParaRPr lang="en-US"/>
           </a:p>
@@ -2764,7 +2766,7 @@
           <a:p>
             <a:fld id="{326951E3-958F-4611-B170-D081BA0250F9}" type="datetimeFigureOut">
               <a:rPr lang="en-US" smtClean="0"/>
-              <a:t>4/4/24</a:t>
+              <a:t>4/12/24</a:t>
             </a:fld>
             <a:endParaRPr lang="en-US"/>
           </a:p>
@@ -3053,7 +3055,7 @@
             <a:fld id="{326951E3-958F-4611-B170-D081BA0250F9}" type="datetimeFigureOut">
               <a:rPr lang="en-US" smtClean="0"/>
               <a:pPr/>
-              <a:t>4/4/24</a:t>
+              <a:t>4/12/24</a:t>
             </a:fld>
             <a:endParaRPr lang="en-US" dirty="0"/>
           </a:p>
@@ -6976,6 +6978,1113 @@
 <file path=ppt/slides/slide15.xml><?xml version="1.0" encoding="utf-8"?>
 <p:sld xmlns:a="http://schemas.openxmlformats.org/drawingml/2006/main" xmlns:r="http://schemas.openxmlformats.org/officeDocument/2006/relationships" xmlns:p="http://schemas.openxmlformats.org/presentationml/2006/main">
   <p:cSld>
+    <p:spTree>
+      <p:nvGrpSpPr>
+        <p:cNvPr id="1" name=""/>
+        <p:cNvGrpSpPr/>
+        <p:nvPr/>
+      </p:nvGrpSpPr>
+      <p:grpSpPr>
+        <a:xfrm>
+          <a:off x="0" y="0"/>
+          <a:ext cx="0" cy="0"/>
+          <a:chOff x="0" y="0"/>
+          <a:chExt cx="0" cy="0"/>
+        </a:xfrm>
+      </p:grpSpPr>
+      <p:sp>
+        <p:nvSpPr>
+          <p:cNvPr id="2" name="Title 1">
+            <a:extLst>
+              <a:ext uri="{FF2B5EF4-FFF2-40B4-BE49-F238E27FC236}">
+                <a16:creationId xmlns:a16="http://schemas.microsoft.com/office/drawing/2014/main" id="{079D6B63-B9E2-2027-213C-8BEBA089FD13}"/>
+              </a:ext>
+            </a:extLst>
+          </p:cNvPr>
+          <p:cNvSpPr>
+            <a:spLocks noGrp="1"/>
+          </p:cNvSpPr>
+          <p:nvPr>
+            <p:ph type="title"/>
+          </p:nvPr>
+        </p:nvSpPr>
+        <p:spPr>
+          <a:xfrm>
+            <a:off x="0" y="0"/>
+            <a:ext cx="10427840" cy="1086056"/>
+          </a:xfrm>
+        </p:spPr>
+        <p:txBody>
+          <a:bodyPr/>
+          <a:lstStyle/>
+          <a:p>
+            <a:r>
+              <a:rPr lang="en-US" dirty="0"/>
+              <a:t>Results</a:t>
+            </a:r>
+          </a:p>
+        </p:txBody>
+      </p:sp>
+      <p:graphicFrame>
+        <p:nvGraphicFramePr>
+          <p:cNvPr id="4" name="Content Placeholder 3">
+            <a:extLst>
+              <a:ext uri="{FF2B5EF4-FFF2-40B4-BE49-F238E27FC236}">
+                <a16:creationId xmlns:a16="http://schemas.microsoft.com/office/drawing/2014/main" id="{7FEEF0F7-4368-3EE6-2296-49E69CA3B774}"/>
+              </a:ext>
+            </a:extLst>
+          </p:cNvPr>
+          <p:cNvGraphicFramePr>
+            <a:graphicFrameLocks noGrp="1"/>
+          </p:cNvGraphicFramePr>
+          <p:nvPr>
+            <p:ph idx="1"/>
+            <p:extLst>
+              <p:ext uri="{D42A27DB-BD31-4B8C-83A1-F6EECF244321}">
+                <p14:modId xmlns:p14="http://schemas.microsoft.com/office/powerpoint/2010/main" val="1603100800"/>
+              </p:ext>
+            </p:extLst>
+          </p:nvPr>
+        </p:nvGraphicFramePr>
+        <p:xfrm>
+          <a:off x="7153145" y="1351856"/>
+          <a:ext cx="4886209" cy="4001804"/>
+        </p:xfrm>
+        <a:graphic>
+          <a:graphicData uri="http://schemas.openxmlformats.org/drawingml/2006/table">
+            <a:tbl>
+              <a:tblPr firstRow="1" firstCol="1" bandRow="1">
+                <a:tableStyleId>{5C22544A-7EE6-4342-B048-85BDC9FD1C3A}</a:tableStyleId>
+              </a:tblPr>
+              <a:tblGrid>
+                <a:gridCol w="928541">
+                  <a:extLst>
+                    <a:ext uri="{9D8B030D-6E8A-4147-A177-3AD203B41FA5}">
+                      <a16:colId xmlns:a16="http://schemas.microsoft.com/office/drawing/2014/main" val="1058455102"/>
+                    </a:ext>
+                  </a:extLst>
+                </a:gridCol>
+                <a:gridCol w="909591">
+                  <a:extLst>
+                    <a:ext uri="{9D8B030D-6E8A-4147-A177-3AD203B41FA5}">
+                      <a16:colId xmlns:a16="http://schemas.microsoft.com/office/drawing/2014/main" val="3130141620"/>
+                    </a:ext>
+                  </a:extLst>
+                </a:gridCol>
+                <a:gridCol w="1039397">
+                  <a:extLst>
+                    <a:ext uri="{9D8B030D-6E8A-4147-A177-3AD203B41FA5}">
+                      <a16:colId xmlns:a16="http://schemas.microsoft.com/office/drawing/2014/main" val="1227745720"/>
+                    </a:ext>
+                  </a:extLst>
+                </a:gridCol>
+                <a:gridCol w="2008680">
+                  <a:extLst>
+                    <a:ext uri="{9D8B030D-6E8A-4147-A177-3AD203B41FA5}">
+                      <a16:colId xmlns:a16="http://schemas.microsoft.com/office/drawing/2014/main" val="1833022431"/>
+                    </a:ext>
+                  </a:extLst>
+                </a:gridCol>
+              </a:tblGrid>
+              <a:tr h="536827">
+                <a:tc>
+                  <a:txBody>
+                    <a:bodyPr/>
+                    <a:lstStyle/>
+                    <a:p>
+                      <a:r>
+                        <a:rPr lang="en-IN" sz="1000" kern="100">
+                          <a:effectLst/>
+                        </a:rPr>
+                        <a:t>C Code</a:t>
+                      </a:r>
+                      <a:endParaRPr lang="en-IN" sz="1200" kern="100">
+                        <a:effectLst/>
+                        <a:latin typeface="Times New Roman" panose="02020603050405020304" pitchFamily="18" charset="0"/>
+                        <a:ea typeface="Times New Roman" panose="02020603050405020304" pitchFamily="18" charset="0"/>
+                      </a:endParaRPr>
+                    </a:p>
+                  </a:txBody>
+                  <a:tcPr marL="68580" marR="68580" marT="0" marB="0"/>
+                </a:tc>
+                <a:tc>
+                  <a:txBody>
+                    <a:bodyPr/>
+                    <a:lstStyle/>
+                    <a:p>
+                      <a:r>
+                        <a:rPr lang="en-IN" sz="1000" kern="100">
+                          <a:effectLst/>
+                        </a:rPr>
+                        <a:t>Nvidia</a:t>
+                      </a:r>
+                      <a:endParaRPr lang="en-IN" sz="1200" kern="100">
+                        <a:effectLst/>
+                        <a:latin typeface="Times New Roman" panose="02020603050405020304" pitchFamily="18" charset="0"/>
+                        <a:ea typeface="Times New Roman" panose="02020603050405020304" pitchFamily="18" charset="0"/>
+                      </a:endParaRPr>
+                    </a:p>
+                  </a:txBody>
+                  <a:tcPr marL="68580" marR="68580" marT="0" marB="0"/>
+                </a:tc>
+                <a:tc>
+                  <a:txBody>
+                    <a:bodyPr/>
+                    <a:lstStyle/>
+                    <a:p>
+                      <a:r>
+                        <a:rPr lang="en-IN" sz="1000" kern="100">
+                          <a:effectLst/>
+                        </a:rPr>
+                        <a:t>Key</a:t>
+                      </a:r>
+                      <a:endParaRPr lang="en-IN" sz="1200" kern="100">
+                        <a:effectLst/>
+                        <a:latin typeface="Times New Roman" panose="02020603050405020304" pitchFamily="18" charset="0"/>
+                        <a:ea typeface="Times New Roman" panose="02020603050405020304" pitchFamily="18" charset="0"/>
+                      </a:endParaRPr>
+                    </a:p>
+                  </a:txBody>
+                  <a:tcPr marL="68580" marR="68580" marT="0" marB="0"/>
+                </a:tc>
+                <a:tc>
+                  <a:txBody>
+                    <a:bodyPr/>
+                    <a:lstStyle/>
+                    <a:p>
+                      <a:r>
+                        <a:rPr lang="en-IN" sz="1100" kern="100">
+                          <a:effectLst/>
+                        </a:rPr>
+                        <a:t>Length of Sample Text</a:t>
+                      </a:r>
+                      <a:endParaRPr lang="en-IN" sz="1200" kern="100">
+                        <a:effectLst/>
+                        <a:latin typeface="Times New Roman" panose="02020603050405020304" pitchFamily="18" charset="0"/>
+                        <a:ea typeface="Times New Roman" panose="02020603050405020304" pitchFamily="18" charset="0"/>
+                      </a:endParaRPr>
+                    </a:p>
+                  </a:txBody>
+                  <a:tcPr marL="68580" marR="68580" marT="0" marB="0"/>
+                </a:tc>
+                <a:extLst>
+                  <a:ext uri="{0D108BD9-81ED-4DB2-BD59-A6C34878D82A}">
+                    <a16:rowId xmlns:a16="http://schemas.microsoft.com/office/drawing/2014/main" val="3082766266"/>
+                  </a:ext>
+                </a:extLst>
+              </a:tr>
+              <a:tr h="536827">
+                <a:tc>
+                  <a:txBody>
+                    <a:bodyPr/>
+                    <a:lstStyle/>
+                    <a:p>
+                      <a:pPr algn="r"/>
+                      <a:r>
+                        <a:rPr lang="en-IN" sz="1100" kern="100">
+                          <a:effectLst/>
+                        </a:rPr>
+                        <a:t>2.874124</a:t>
+                      </a:r>
+                      <a:endParaRPr lang="en-IN" sz="1200" kern="100">
+                        <a:effectLst/>
+                        <a:latin typeface="Times New Roman" panose="02020603050405020304" pitchFamily="18" charset="0"/>
+                        <a:ea typeface="Times New Roman" panose="02020603050405020304" pitchFamily="18" charset="0"/>
+                      </a:endParaRPr>
+                    </a:p>
+                  </a:txBody>
+                  <a:tcPr marL="68580" marR="68580" marT="0" marB="0"/>
+                </a:tc>
+                <a:tc>
+                  <a:txBody>
+                    <a:bodyPr/>
+                    <a:lstStyle/>
+                    <a:p>
+                      <a:pPr algn="r"/>
+                      <a:r>
+                        <a:rPr lang="en-IN" sz="1000" kern="100">
+                          <a:effectLst/>
+                        </a:rPr>
+                        <a:t>0.171985</a:t>
+                      </a:r>
+                      <a:endParaRPr lang="en-IN" sz="1200" kern="100">
+                        <a:effectLst/>
+                        <a:latin typeface="Times New Roman" panose="02020603050405020304" pitchFamily="18" charset="0"/>
+                        <a:ea typeface="Times New Roman" panose="02020603050405020304" pitchFamily="18" charset="0"/>
+                      </a:endParaRPr>
+                    </a:p>
+                  </a:txBody>
+                  <a:tcPr marL="68580" marR="68580" marT="0" marB="0"/>
+                </a:tc>
+                <a:tc>
+                  <a:txBody>
+                    <a:bodyPr/>
+                    <a:lstStyle/>
+                    <a:p>
+                      <a:r>
+                        <a:rPr lang="en-IN" sz="1000" kern="100">
+                          <a:effectLst/>
+                        </a:rPr>
+                        <a:t>SUJEET</a:t>
+                      </a:r>
+                      <a:endParaRPr lang="en-IN" sz="1200" kern="100">
+                        <a:effectLst/>
+                        <a:latin typeface="Times New Roman" panose="02020603050405020304" pitchFamily="18" charset="0"/>
+                        <a:ea typeface="Times New Roman" panose="02020603050405020304" pitchFamily="18" charset="0"/>
+                      </a:endParaRPr>
+                    </a:p>
+                  </a:txBody>
+                  <a:tcPr marL="68580" marR="68580" marT="0" marB="0"/>
+                </a:tc>
+                <a:tc>
+                  <a:txBody>
+                    <a:bodyPr/>
+                    <a:lstStyle/>
+                    <a:p>
+                      <a:pPr algn="r"/>
+                      <a:r>
+                        <a:rPr lang="en-IN" sz="1100" kern="100">
+                          <a:effectLst/>
+                        </a:rPr>
+                        <a:t>3059</a:t>
+                      </a:r>
+                      <a:endParaRPr lang="en-IN" sz="1200" kern="100">
+                        <a:effectLst/>
+                        <a:latin typeface="Times New Roman" panose="02020603050405020304" pitchFamily="18" charset="0"/>
+                        <a:ea typeface="Times New Roman" panose="02020603050405020304" pitchFamily="18" charset="0"/>
+                      </a:endParaRPr>
+                    </a:p>
+                  </a:txBody>
+                  <a:tcPr marL="68580" marR="68580" marT="0" marB="0"/>
+                </a:tc>
+                <a:extLst>
+                  <a:ext uri="{0D108BD9-81ED-4DB2-BD59-A6C34878D82A}">
+                    <a16:rowId xmlns:a16="http://schemas.microsoft.com/office/drawing/2014/main" val="93601248"/>
+                  </a:ext>
+                </a:extLst>
+              </a:tr>
+              <a:tr h="488025">
+                <a:tc>
+                  <a:txBody>
+                    <a:bodyPr/>
+                    <a:lstStyle/>
+                    <a:p>
+                      <a:pPr algn="r"/>
+                      <a:r>
+                        <a:rPr lang="en-IN" sz="1000" kern="100">
+                          <a:effectLst/>
+                        </a:rPr>
+                        <a:t>0.189914</a:t>
+                      </a:r>
+                      <a:endParaRPr lang="en-IN" sz="1200" kern="100">
+                        <a:effectLst/>
+                        <a:latin typeface="Times New Roman" panose="02020603050405020304" pitchFamily="18" charset="0"/>
+                        <a:ea typeface="Times New Roman" panose="02020603050405020304" pitchFamily="18" charset="0"/>
+                      </a:endParaRPr>
+                    </a:p>
+                  </a:txBody>
+                  <a:tcPr marL="68580" marR="68580" marT="0" marB="0"/>
+                </a:tc>
+                <a:tc>
+                  <a:txBody>
+                    <a:bodyPr/>
+                    <a:lstStyle/>
+                    <a:p>
+                      <a:pPr algn="r"/>
+                      <a:r>
+                        <a:rPr lang="en-IN" sz="1000" kern="100">
+                          <a:effectLst/>
+                        </a:rPr>
+                        <a:t>0.110613</a:t>
+                      </a:r>
+                      <a:endParaRPr lang="en-IN" sz="1200" kern="100">
+                        <a:effectLst/>
+                        <a:latin typeface="Times New Roman" panose="02020603050405020304" pitchFamily="18" charset="0"/>
+                        <a:ea typeface="Times New Roman" panose="02020603050405020304" pitchFamily="18" charset="0"/>
+                      </a:endParaRPr>
+                    </a:p>
+                  </a:txBody>
+                  <a:tcPr marL="68580" marR="68580" marT="0" marB="0"/>
+                </a:tc>
+                <a:tc>
+                  <a:txBody>
+                    <a:bodyPr/>
+                    <a:lstStyle/>
+                    <a:p>
+                      <a:r>
+                        <a:rPr lang="en-IN" sz="1000" kern="100">
+                          <a:effectLst/>
+                        </a:rPr>
+                        <a:t>SUJEETAM</a:t>
+                      </a:r>
+                      <a:endParaRPr lang="en-IN" sz="1200" kern="100">
+                        <a:effectLst/>
+                        <a:latin typeface="Times New Roman" panose="02020603050405020304" pitchFamily="18" charset="0"/>
+                        <a:ea typeface="Times New Roman" panose="02020603050405020304" pitchFamily="18" charset="0"/>
+                      </a:endParaRPr>
+                    </a:p>
+                  </a:txBody>
+                  <a:tcPr marL="68580" marR="68580" marT="0" marB="0"/>
+                </a:tc>
+                <a:tc>
+                  <a:txBody>
+                    <a:bodyPr/>
+                    <a:lstStyle/>
+                    <a:p>
+                      <a:pPr algn="r"/>
+                      <a:r>
+                        <a:rPr lang="en-IN" sz="1100" kern="100">
+                          <a:effectLst/>
+                        </a:rPr>
+                        <a:t>745</a:t>
+                      </a:r>
+                      <a:endParaRPr lang="en-IN" sz="1200" kern="100">
+                        <a:effectLst/>
+                        <a:latin typeface="Times New Roman" panose="02020603050405020304" pitchFamily="18" charset="0"/>
+                        <a:ea typeface="Times New Roman" panose="02020603050405020304" pitchFamily="18" charset="0"/>
+                      </a:endParaRPr>
+                    </a:p>
+                  </a:txBody>
+                  <a:tcPr marL="68580" marR="68580" marT="0" marB="0"/>
+                </a:tc>
+                <a:extLst>
+                  <a:ext uri="{0D108BD9-81ED-4DB2-BD59-A6C34878D82A}">
+                    <a16:rowId xmlns:a16="http://schemas.microsoft.com/office/drawing/2014/main" val="2078515658"/>
+                  </a:ext>
+                </a:extLst>
+              </a:tr>
+              <a:tr h="488025">
+                <a:tc>
+                  <a:txBody>
+                    <a:bodyPr/>
+                    <a:lstStyle/>
+                    <a:p>
+                      <a:pPr algn="r"/>
+                      <a:r>
+                        <a:rPr lang="en-IN" sz="1000" kern="100">
+                          <a:effectLst/>
+                        </a:rPr>
+                        <a:t>0.190495</a:t>
+                      </a:r>
+                      <a:endParaRPr lang="en-IN" sz="1200" kern="100">
+                        <a:effectLst/>
+                        <a:latin typeface="Times New Roman" panose="02020603050405020304" pitchFamily="18" charset="0"/>
+                        <a:ea typeface="Times New Roman" panose="02020603050405020304" pitchFamily="18" charset="0"/>
+                      </a:endParaRPr>
+                    </a:p>
+                  </a:txBody>
+                  <a:tcPr marL="68580" marR="68580" marT="0" marB="0"/>
+                </a:tc>
+                <a:tc>
+                  <a:txBody>
+                    <a:bodyPr/>
+                    <a:lstStyle/>
+                    <a:p>
+                      <a:pPr algn="r"/>
+                      <a:r>
+                        <a:rPr lang="en-IN" sz="1000" kern="100">
+                          <a:effectLst/>
+                        </a:rPr>
+                        <a:t>0.111438</a:t>
+                      </a:r>
+                      <a:endParaRPr lang="en-IN" sz="1200" kern="100">
+                        <a:effectLst/>
+                        <a:latin typeface="Times New Roman" panose="02020603050405020304" pitchFamily="18" charset="0"/>
+                        <a:ea typeface="Times New Roman" panose="02020603050405020304" pitchFamily="18" charset="0"/>
+                      </a:endParaRPr>
+                    </a:p>
+                  </a:txBody>
+                  <a:tcPr marL="68580" marR="68580" marT="0" marB="0"/>
+                </a:tc>
+                <a:tc>
+                  <a:txBody>
+                    <a:bodyPr/>
+                    <a:lstStyle/>
+                    <a:p>
+                      <a:r>
+                        <a:rPr lang="en-IN" sz="1000" kern="100">
+                          <a:effectLst/>
+                        </a:rPr>
+                        <a:t>SUJEET</a:t>
+                      </a:r>
+                      <a:endParaRPr lang="en-IN" sz="1200" kern="100">
+                        <a:effectLst/>
+                        <a:latin typeface="Times New Roman" panose="02020603050405020304" pitchFamily="18" charset="0"/>
+                        <a:ea typeface="Times New Roman" panose="02020603050405020304" pitchFamily="18" charset="0"/>
+                      </a:endParaRPr>
+                    </a:p>
+                  </a:txBody>
+                  <a:tcPr marL="68580" marR="68580" marT="0" marB="0"/>
+                </a:tc>
+                <a:tc>
+                  <a:txBody>
+                    <a:bodyPr/>
+                    <a:lstStyle/>
+                    <a:p>
+                      <a:pPr algn="r"/>
+                      <a:r>
+                        <a:rPr lang="en-IN" sz="1100" kern="100">
+                          <a:effectLst/>
+                        </a:rPr>
+                        <a:t>745</a:t>
+                      </a:r>
+                      <a:endParaRPr lang="en-IN" sz="1200" kern="100">
+                        <a:effectLst/>
+                        <a:latin typeface="Times New Roman" panose="02020603050405020304" pitchFamily="18" charset="0"/>
+                        <a:ea typeface="Times New Roman" panose="02020603050405020304" pitchFamily="18" charset="0"/>
+                      </a:endParaRPr>
+                    </a:p>
+                  </a:txBody>
+                  <a:tcPr marL="68580" marR="68580" marT="0" marB="0"/>
+                </a:tc>
+                <a:extLst>
+                  <a:ext uri="{0D108BD9-81ED-4DB2-BD59-A6C34878D82A}">
+                    <a16:rowId xmlns:a16="http://schemas.microsoft.com/office/drawing/2014/main" val="2400120880"/>
+                  </a:ext>
+                </a:extLst>
+              </a:tr>
+              <a:tr h="488025">
+                <a:tc>
+                  <a:txBody>
+                    <a:bodyPr/>
+                    <a:lstStyle/>
+                    <a:p>
+                      <a:pPr algn="r"/>
+                      <a:r>
+                        <a:rPr lang="en-IN" sz="1000" kern="100">
+                          <a:effectLst/>
+                        </a:rPr>
+                        <a:t>4.629269</a:t>
+                      </a:r>
+                      <a:endParaRPr lang="en-IN" sz="1200" kern="100">
+                        <a:effectLst/>
+                        <a:latin typeface="Times New Roman" panose="02020603050405020304" pitchFamily="18" charset="0"/>
+                        <a:ea typeface="Times New Roman" panose="02020603050405020304" pitchFamily="18" charset="0"/>
+                      </a:endParaRPr>
+                    </a:p>
+                  </a:txBody>
+                  <a:tcPr marL="68580" marR="68580" marT="0" marB="0"/>
+                </a:tc>
+                <a:tc>
+                  <a:txBody>
+                    <a:bodyPr/>
+                    <a:lstStyle/>
+                    <a:p>
+                      <a:pPr algn="r"/>
+                      <a:r>
+                        <a:rPr lang="en-IN" sz="1000" kern="100">
+                          <a:effectLst/>
+                        </a:rPr>
+                        <a:t>0.124841</a:t>
+                      </a:r>
+                      <a:endParaRPr lang="en-IN" sz="1200" kern="100">
+                        <a:effectLst/>
+                        <a:latin typeface="Times New Roman" panose="02020603050405020304" pitchFamily="18" charset="0"/>
+                        <a:ea typeface="Times New Roman" panose="02020603050405020304" pitchFamily="18" charset="0"/>
+                      </a:endParaRPr>
+                    </a:p>
+                  </a:txBody>
+                  <a:tcPr marL="68580" marR="68580" marT="0" marB="0"/>
+                </a:tc>
+                <a:tc>
+                  <a:txBody>
+                    <a:bodyPr/>
+                    <a:lstStyle/>
+                    <a:p>
+                      <a:r>
+                        <a:rPr lang="en-IN" sz="1000" kern="100">
+                          <a:effectLst/>
+                        </a:rPr>
+                        <a:t>SUJEET</a:t>
+                      </a:r>
+                      <a:endParaRPr lang="en-IN" sz="1200" kern="100">
+                        <a:effectLst/>
+                        <a:latin typeface="Times New Roman" panose="02020603050405020304" pitchFamily="18" charset="0"/>
+                        <a:ea typeface="Times New Roman" panose="02020603050405020304" pitchFamily="18" charset="0"/>
+                      </a:endParaRPr>
+                    </a:p>
+                  </a:txBody>
+                  <a:tcPr marL="68580" marR="68580" marT="0" marB="0"/>
+                </a:tc>
+                <a:tc>
+                  <a:txBody>
+                    <a:bodyPr/>
+                    <a:lstStyle/>
+                    <a:p>
+                      <a:pPr algn="r"/>
+                      <a:r>
+                        <a:rPr lang="en-IN" sz="1100" kern="100">
+                          <a:effectLst/>
+                        </a:rPr>
+                        <a:t>3737</a:t>
+                      </a:r>
+                      <a:endParaRPr lang="en-IN" sz="1200" kern="100">
+                        <a:effectLst/>
+                        <a:latin typeface="Times New Roman" panose="02020603050405020304" pitchFamily="18" charset="0"/>
+                        <a:ea typeface="Times New Roman" panose="02020603050405020304" pitchFamily="18" charset="0"/>
+                      </a:endParaRPr>
+                    </a:p>
+                  </a:txBody>
+                  <a:tcPr marL="68580" marR="68580" marT="0" marB="0"/>
+                </a:tc>
+                <a:extLst>
+                  <a:ext uri="{0D108BD9-81ED-4DB2-BD59-A6C34878D82A}">
+                    <a16:rowId xmlns:a16="http://schemas.microsoft.com/office/drawing/2014/main" val="2784651899"/>
+                  </a:ext>
+                </a:extLst>
+              </a:tr>
+              <a:tr h="488025">
+                <a:tc>
+                  <a:txBody>
+                    <a:bodyPr/>
+                    <a:lstStyle/>
+                    <a:p>
+                      <a:pPr algn="r"/>
+                      <a:r>
+                        <a:rPr lang="en-IN" sz="1000" kern="100">
+                          <a:effectLst/>
+                        </a:rPr>
+                        <a:t>2.950582</a:t>
+                      </a:r>
+                      <a:endParaRPr lang="en-IN" sz="1200" kern="100">
+                        <a:effectLst/>
+                        <a:latin typeface="Times New Roman" panose="02020603050405020304" pitchFamily="18" charset="0"/>
+                        <a:ea typeface="Times New Roman" panose="02020603050405020304" pitchFamily="18" charset="0"/>
+                      </a:endParaRPr>
+                    </a:p>
+                  </a:txBody>
+                  <a:tcPr marL="68580" marR="68580" marT="0" marB="0"/>
+                </a:tc>
+                <a:tc>
+                  <a:txBody>
+                    <a:bodyPr/>
+                    <a:lstStyle/>
+                    <a:p>
+                      <a:pPr algn="r"/>
+                      <a:r>
+                        <a:rPr lang="en-IN" sz="1000" kern="100">
+                          <a:effectLst/>
+                        </a:rPr>
+                        <a:t>0.122647</a:t>
+                      </a:r>
+                      <a:endParaRPr lang="en-IN" sz="1200" kern="100">
+                        <a:effectLst/>
+                        <a:latin typeface="Times New Roman" panose="02020603050405020304" pitchFamily="18" charset="0"/>
+                        <a:ea typeface="Times New Roman" panose="02020603050405020304" pitchFamily="18" charset="0"/>
+                      </a:endParaRPr>
+                    </a:p>
+                  </a:txBody>
+                  <a:tcPr marL="68580" marR="68580" marT="0" marB="0"/>
+                </a:tc>
+                <a:tc>
+                  <a:txBody>
+                    <a:bodyPr/>
+                    <a:lstStyle/>
+                    <a:p>
+                      <a:r>
+                        <a:rPr lang="en-IN" sz="1000" kern="100">
+                          <a:effectLst/>
+                        </a:rPr>
+                        <a:t>SUJEET</a:t>
+                      </a:r>
+                      <a:endParaRPr lang="en-IN" sz="1200" kern="100">
+                        <a:effectLst/>
+                        <a:latin typeface="Times New Roman" panose="02020603050405020304" pitchFamily="18" charset="0"/>
+                        <a:ea typeface="Times New Roman" panose="02020603050405020304" pitchFamily="18" charset="0"/>
+                      </a:endParaRPr>
+                    </a:p>
+                  </a:txBody>
+                  <a:tcPr marL="68580" marR="68580" marT="0" marB="0"/>
+                </a:tc>
+                <a:tc>
+                  <a:txBody>
+                    <a:bodyPr/>
+                    <a:lstStyle/>
+                    <a:p>
+                      <a:pPr algn="r"/>
+                      <a:r>
+                        <a:rPr lang="en-IN" sz="1100" kern="100">
+                          <a:effectLst/>
+                        </a:rPr>
+                        <a:t>2983</a:t>
+                      </a:r>
+                      <a:endParaRPr lang="en-IN" sz="1200" kern="100">
+                        <a:effectLst/>
+                        <a:latin typeface="Times New Roman" panose="02020603050405020304" pitchFamily="18" charset="0"/>
+                        <a:ea typeface="Times New Roman" panose="02020603050405020304" pitchFamily="18" charset="0"/>
+                      </a:endParaRPr>
+                    </a:p>
+                  </a:txBody>
+                  <a:tcPr marL="68580" marR="68580" marT="0" marB="0"/>
+                </a:tc>
+                <a:extLst>
+                  <a:ext uri="{0D108BD9-81ED-4DB2-BD59-A6C34878D82A}">
+                    <a16:rowId xmlns:a16="http://schemas.microsoft.com/office/drawing/2014/main" val="148877230"/>
+                  </a:ext>
+                </a:extLst>
+              </a:tr>
+              <a:tr h="488025">
+                <a:tc>
+                  <a:txBody>
+                    <a:bodyPr/>
+                    <a:lstStyle/>
+                    <a:p>
+                      <a:pPr algn="r"/>
+                      <a:r>
+                        <a:rPr lang="en-IN" sz="1000" kern="100">
+                          <a:effectLst/>
+                        </a:rPr>
+                        <a:t>11.909002</a:t>
+                      </a:r>
+                      <a:endParaRPr lang="en-IN" sz="1200" kern="100">
+                        <a:effectLst/>
+                        <a:latin typeface="Times New Roman" panose="02020603050405020304" pitchFamily="18" charset="0"/>
+                        <a:ea typeface="Times New Roman" panose="02020603050405020304" pitchFamily="18" charset="0"/>
+                      </a:endParaRPr>
+                    </a:p>
+                  </a:txBody>
+                  <a:tcPr marL="68580" marR="68580" marT="0" marB="0"/>
+                </a:tc>
+                <a:tc>
+                  <a:txBody>
+                    <a:bodyPr/>
+                    <a:lstStyle/>
+                    <a:p>
+                      <a:pPr algn="r"/>
+                      <a:r>
+                        <a:rPr lang="en-IN" sz="1000" kern="100">
+                          <a:effectLst/>
+                        </a:rPr>
+                        <a:t>0.191981</a:t>
+                      </a:r>
+                      <a:endParaRPr lang="en-IN" sz="1200" kern="100">
+                        <a:effectLst/>
+                        <a:latin typeface="Times New Roman" panose="02020603050405020304" pitchFamily="18" charset="0"/>
+                        <a:ea typeface="Times New Roman" panose="02020603050405020304" pitchFamily="18" charset="0"/>
+                      </a:endParaRPr>
+                    </a:p>
+                  </a:txBody>
+                  <a:tcPr marL="68580" marR="68580" marT="0" marB="0"/>
+                </a:tc>
+                <a:tc>
+                  <a:txBody>
+                    <a:bodyPr/>
+                    <a:lstStyle/>
+                    <a:p>
+                      <a:r>
+                        <a:rPr lang="en-IN" sz="1000" kern="100">
+                          <a:effectLst/>
+                        </a:rPr>
+                        <a:t>SUJEET</a:t>
+                      </a:r>
+                      <a:endParaRPr lang="en-IN" sz="1200" kern="100">
+                        <a:effectLst/>
+                        <a:latin typeface="Times New Roman" panose="02020603050405020304" pitchFamily="18" charset="0"/>
+                        <a:ea typeface="Times New Roman" panose="02020603050405020304" pitchFamily="18" charset="0"/>
+                      </a:endParaRPr>
+                    </a:p>
+                  </a:txBody>
+                  <a:tcPr marL="68580" marR="68580" marT="0" marB="0"/>
+                </a:tc>
+                <a:tc>
+                  <a:txBody>
+                    <a:bodyPr/>
+                    <a:lstStyle/>
+                    <a:p>
+                      <a:pPr algn="r"/>
+                      <a:r>
+                        <a:rPr lang="en-IN" sz="1100" kern="100">
+                          <a:effectLst/>
+                        </a:rPr>
+                        <a:t>5971</a:t>
+                      </a:r>
+                      <a:endParaRPr lang="en-IN" sz="1200" kern="100">
+                        <a:effectLst/>
+                        <a:latin typeface="Times New Roman" panose="02020603050405020304" pitchFamily="18" charset="0"/>
+                        <a:ea typeface="Times New Roman" panose="02020603050405020304" pitchFamily="18" charset="0"/>
+                      </a:endParaRPr>
+                    </a:p>
+                  </a:txBody>
+                  <a:tcPr marL="68580" marR="68580" marT="0" marB="0"/>
+                </a:tc>
+                <a:extLst>
+                  <a:ext uri="{0D108BD9-81ED-4DB2-BD59-A6C34878D82A}">
+                    <a16:rowId xmlns:a16="http://schemas.microsoft.com/office/drawing/2014/main" val="150287992"/>
+                  </a:ext>
+                </a:extLst>
+              </a:tr>
+              <a:tr h="488025">
+                <a:tc>
+                  <a:txBody>
+                    <a:bodyPr/>
+                    <a:lstStyle/>
+                    <a:p>
+                      <a:pPr algn="r"/>
+                      <a:r>
+                        <a:rPr lang="en-IN" sz="1000" kern="100">
+                          <a:effectLst/>
+                        </a:rPr>
+                        <a:t>11.567394</a:t>
+                      </a:r>
+                      <a:endParaRPr lang="en-IN" sz="1200" kern="100">
+                        <a:effectLst/>
+                        <a:latin typeface="Times New Roman" panose="02020603050405020304" pitchFamily="18" charset="0"/>
+                        <a:ea typeface="Times New Roman" panose="02020603050405020304" pitchFamily="18" charset="0"/>
+                      </a:endParaRPr>
+                    </a:p>
+                  </a:txBody>
+                  <a:tcPr marL="68580" marR="68580" marT="0" marB="0"/>
+                </a:tc>
+                <a:tc>
+                  <a:txBody>
+                    <a:bodyPr/>
+                    <a:lstStyle/>
+                    <a:p>
+                      <a:pPr algn="r"/>
+                      <a:r>
+                        <a:rPr lang="en-IN" sz="1000" kern="100">
+                          <a:effectLst/>
+                        </a:rPr>
+                        <a:t>0.176444</a:t>
+                      </a:r>
+                      <a:endParaRPr lang="en-IN" sz="1200" kern="100">
+                        <a:effectLst/>
+                        <a:latin typeface="Times New Roman" panose="02020603050405020304" pitchFamily="18" charset="0"/>
+                        <a:ea typeface="Times New Roman" panose="02020603050405020304" pitchFamily="18" charset="0"/>
+                      </a:endParaRPr>
+                    </a:p>
+                  </a:txBody>
+                  <a:tcPr marL="68580" marR="68580" marT="0" marB="0"/>
+                </a:tc>
+                <a:tc>
+                  <a:txBody>
+                    <a:bodyPr/>
+                    <a:lstStyle/>
+                    <a:p>
+                      <a:r>
+                        <a:rPr lang="en-IN" sz="1000" kern="100">
+                          <a:effectLst/>
+                        </a:rPr>
+                        <a:t>SUJEETAM</a:t>
+                      </a:r>
+                      <a:endParaRPr lang="en-IN" sz="1200" kern="100">
+                        <a:effectLst/>
+                        <a:latin typeface="Times New Roman" panose="02020603050405020304" pitchFamily="18" charset="0"/>
+                        <a:ea typeface="Times New Roman" panose="02020603050405020304" pitchFamily="18" charset="0"/>
+                      </a:endParaRPr>
+                    </a:p>
+                  </a:txBody>
+                  <a:tcPr marL="68580" marR="68580" marT="0" marB="0"/>
+                </a:tc>
+                <a:tc>
+                  <a:txBody>
+                    <a:bodyPr/>
+                    <a:lstStyle/>
+                    <a:p>
+                      <a:pPr algn="r"/>
+                      <a:r>
+                        <a:rPr lang="en-IN" sz="1100" kern="100" dirty="0">
+                          <a:effectLst/>
+                        </a:rPr>
+                        <a:t>5971</a:t>
+                      </a:r>
+                      <a:endParaRPr lang="en-IN" sz="1200" kern="100" dirty="0">
+                        <a:effectLst/>
+                        <a:latin typeface="Times New Roman" panose="02020603050405020304" pitchFamily="18" charset="0"/>
+                        <a:ea typeface="Times New Roman" panose="02020603050405020304" pitchFamily="18" charset="0"/>
+                      </a:endParaRPr>
+                    </a:p>
+                  </a:txBody>
+                  <a:tcPr marL="68580" marR="68580" marT="0" marB="0"/>
+                </a:tc>
+                <a:extLst>
+                  <a:ext uri="{0D108BD9-81ED-4DB2-BD59-A6C34878D82A}">
+                    <a16:rowId xmlns:a16="http://schemas.microsoft.com/office/drawing/2014/main" val="1536153594"/>
+                  </a:ext>
+                </a:extLst>
+              </a:tr>
+            </a:tbl>
+          </a:graphicData>
+        </a:graphic>
+      </p:graphicFrame>
+      <p:sp>
+        <p:nvSpPr>
+          <p:cNvPr id="5" name="Rectangle 2">
+            <a:extLst>
+              <a:ext uri="{FF2B5EF4-FFF2-40B4-BE49-F238E27FC236}">
+                <a16:creationId xmlns:a16="http://schemas.microsoft.com/office/drawing/2014/main" id="{034533B7-C2CB-B46E-1A92-44711583ABE5}"/>
+              </a:ext>
+            </a:extLst>
+          </p:cNvPr>
+          <p:cNvSpPr>
+            <a:spLocks noChangeArrowheads="1"/>
+          </p:cNvSpPr>
+          <p:nvPr/>
+        </p:nvSpPr>
+        <p:spPr bwMode="auto">
+          <a:xfrm>
+            <a:off x="4990117" y="1398642"/>
+            <a:ext cx="12192000" cy="0"/>
+          </a:xfrm>
+          <a:prstGeom prst="rect">
+            <a:avLst/>
+          </a:prstGeom>
+          <a:noFill/>
+          <a:ln>
+            <a:noFill/>
+          </a:ln>
+          <a:effectLst/>
+          <a:extLst>
+            <a:ext uri="{909E8E84-426E-40DD-AFC4-6F175D3DCCD1}">
+              <a14:hiddenFill xmlns:a14="http://schemas.microsoft.com/office/drawing/2010/main">
+                <a:solidFill>
+                  <a:schemeClr val="accent1"/>
+                </a:solidFill>
+              </a14:hiddenFill>
+            </a:ext>
+            <a:ext uri="{91240B29-F687-4F45-9708-019B960494DF}">
+              <a14:hiddenLine xmlns:a14="http://schemas.microsoft.com/office/drawing/2010/main" w="9525">
+                <a:solidFill>
+                  <a:schemeClr val="tx1"/>
+                </a:solidFill>
+                <a:miter lim="800000"/>
+                <a:headEnd/>
+                <a:tailEnd/>
+              </a14:hiddenLine>
+            </a:ext>
+            <a:ext uri="{AF507438-7753-43E0-B8FC-AC1667EBCBE1}">
+              <a14:hiddenEffects xmlns:a14="http://schemas.microsoft.com/office/drawing/2010/main">
+                <a:effectLst>
+                  <a:outerShdw dist="35921" dir="2700000" algn="ctr" rotWithShape="0">
+                    <a:schemeClr val="bg2"/>
+                  </a:outerShdw>
+                </a:effectLst>
+              </a14:hiddenEffects>
+            </a:ext>
+          </a:extLst>
+        </p:spPr>
+        <p:txBody>
+          <a:bodyPr vert="horz" wrap="none" lIns="91440" tIns="45720" rIns="91440" bIns="45720" numCol="1" anchor="ctr" anchorCtr="0" compatLnSpc="1">
+            <a:prstTxWarp prst="textNoShape">
+              <a:avLst/>
+            </a:prstTxWarp>
+            <a:spAutoFit/>
+          </a:bodyPr>
+          <a:lstStyle/>
+          <a:p>
+            <a:endParaRPr lang="en-US"/>
+          </a:p>
+        </p:txBody>
+      </p:sp>
+      <p:pic>
+        <p:nvPicPr>
+          <p:cNvPr id="1025" name="Picture 1" descr="Output image">
+            <a:extLst>
+              <a:ext uri="{FF2B5EF4-FFF2-40B4-BE49-F238E27FC236}">
+                <a16:creationId xmlns:a16="http://schemas.microsoft.com/office/drawing/2014/main" id="{96792403-02FC-D955-D73C-3AFA15338ECA}"/>
+              </a:ext>
+            </a:extLst>
+          </p:cNvPr>
+          <p:cNvPicPr>
+            <a:picLocks noChangeAspect="1" noChangeArrowheads="1"/>
+          </p:cNvPicPr>
+          <p:nvPr/>
+        </p:nvPicPr>
+        <p:blipFill>
+          <a:blip r:embed="rId2" r:link="rId3">
+            <a:extLst>
+              <a:ext uri="{28A0092B-C50C-407E-A947-70E740481C1C}">
+                <a14:useLocalDpi xmlns:a14="http://schemas.microsoft.com/office/drawing/2010/main" val="0"/>
+              </a:ext>
+            </a:extLst>
+          </a:blip>
+          <a:srcRect/>
+          <a:stretch>
+            <a:fillRect/>
+          </a:stretch>
+        </p:blipFill>
+        <p:spPr bwMode="auto">
+          <a:xfrm>
+            <a:off x="152646" y="1329242"/>
+            <a:ext cx="6514531" cy="3876940"/>
+          </a:xfrm>
+          <a:prstGeom prst="rect">
+            <a:avLst/>
+          </a:prstGeom>
+          <a:noFill/>
+          <a:extLst>
+            <a:ext uri="{909E8E84-426E-40DD-AFC4-6F175D3DCCD1}">
+              <a14:hiddenFill xmlns:a14="http://schemas.microsoft.com/office/drawing/2010/main">
+                <a:solidFill>
+                  <a:srgbClr val="FFFFFF"/>
+                </a:solidFill>
+              </a14:hiddenFill>
+            </a:ext>
+          </a:extLst>
+        </p:spPr>
+      </p:pic>
+    </p:spTree>
+    <p:extLst>
+      <p:ext uri="{BB962C8B-B14F-4D97-AF65-F5344CB8AC3E}">
+        <p14:creationId xmlns:p14="http://schemas.microsoft.com/office/powerpoint/2010/main" val="179218773"/>
+      </p:ext>
+    </p:extLst>
+  </p:cSld>
+  <p:clrMapOvr>
+    <a:masterClrMapping/>
+  </p:clrMapOvr>
+</p:sld>
+</file>
+
+<file path=ppt/slides/slide16.xml><?xml version="1.0" encoding="utf-8"?>
+<p:sld xmlns:a="http://schemas.openxmlformats.org/drawingml/2006/main" xmlns:r="http://schemas.openxmlformats.org/officeDocument/2006/relationships" xmlns:p="http://schemas.openxmlformats.org/presentationml/2006/main">
+  <p:cSld>
+    <p:spTree>
+      <p:nvGrpSpPr>
+        <p:cNvPr id="1" name=""/>
+        <p:cNvGrpSpPr/>
+        <p:nvPr/>
+      </p:nvGrpSpPr>
+      <p:grpSpPr>
+        <a:xfrm>
+          <a:off x="0" y="0"/>
+          <a:ext cx="0" cy="0"/>
+          <a:chOff x="0" y="0"/>
+          <a:chExt cx="0" cy="0"/>
+        </a:xfrm>
+      </p:grpSpPr>
+      <p:sp>
+        <p:nvSpPr>
+          <p:cNvPr id="4" name="Rectangle 2">
+            <a:extLst>
+              <a:ext uri="{FF2B5EF4-FFF2-40B4-BE49-F238E27FC236}">
+                <a16:creationId xmlns:a16="http://schemas.microsoft.com/office/drawing/2014/main" id="{01333D4F-C9A0-76EA-FA3F-3E024EE375A2}"/>
+              </a:ext>
+            </a:extLst>
+          </p:cNvPr>
+          <p:cNvSpPr>
+            <a:spLocks noChangeArrowheads="1"/>
+          </p:cNvSpPr>
+          <p:nvPr/>
+        </p:nvSpPr>
+        <p:spPr bwMode="auto">
+          <a:xfrm>
+            <a:off x="1473200" y="2492478"/>
+            <a:ext cx="12192000" cy="0"/>
+          </a:xfrm>
+          <a:prstGeom prst="rect">
+            <a:avLst/>
+          </a:prstGeom>
+          <a:noFill/>
+          <a:ln>
+            <a:noFill/>
+          </a:ln>
+          <a:effectLst/>
+          <a:extLst>
+            <a:ext uri="{909E8E84-426E-40DD-AFC4-6F175D3DCCD1}">
+              <a14:hiddenFill xmlns:a14="http://schemas.microsoft.com/office/drawing/2010/main">
+                <a:solidFill>
+                  <a:schemeClr val="accent1"/>
+                </a:solidFill>
+              </a14:hiddenFill>
+            </a:ext>
+            <a:ext uri="{91240B29-F687-4F45-9708-019B960494DF}">
+              <a14:hiddenLine xmlns:a14="http://schemas.microsoft.com/office/drawing/2010/main" w="9525">
+                <a:solidFill>
+                  <a:schemeClr val="tx1"/>
+                </a:solidFill>
+                <a:miter lim="800000"/>
+                <a:headEnd/>
+                <a:tailEnd/>
+              </a14:hiddenLine>
+            </a:ext>
+            <a:ext uri="{AF507438-7753-43E0-B8FC-AC1667EBCBE1}">
+              <a14:hiddenEffects xmlns:a14="http://schemas.microsoft.com/office/drawing/2010/main">
+                <a:effectLst>
+                  <a:outerShdw dist="35921" dir="2700000" algn="ctr" rotWithShape="0">
+                    <a:schemeClr val="bg2"/>
+                  </a:outerShdw>
+                </a:effectLst>
+              </a14:hiddenEffects>
+            </a:ext>
+          </a:extLst>
+        </p:spPr>
+        <p:txBody>
+          <a:bodyPr vert="horz" wrap="none" lIns="91440" tIns="45720" rIns="91440" bIns="45720" numCol="1" anchor="ctr" anchorCtr="0" compatLnSpc="1">
+            <a:prstTxWarp prst="textNoShape">
+              <a:avLst/>
+            </a:prstTxWarp>
+            <a:spAutoFit/>
+          </a:bodyPr>
+          <a:lstStyle/>
+          <a:p>
+            <a:endParaRPr lang="en-US"/>
+          </a:p>
+        </p:txBody>
+      </p:sp>
+      <p:pic>
+        <p:nvPicPr>
+          <p:cNvPr id="2049" name="Picture 2" descr="Output image">
+            <a:extLst>
+              <a:ext uri="{FF2B5EF4-FFF2-40B4-BE49-F238E27FC236}">
+                <a16:creationId xmlns:a16="http://schemas.microsoft.com/office/drawing/2014/main" id="{21778FE1-E69F-4588-C0F3-6B3FF31712B6}"/>
+              </a:ext>
+            </a:extLst>
+          </p:cNvPr>
+          <p:cNvPicPr>
+            <a:picLocks noChangeAspect="1" noChangeArrowheads="1"/>
+          </p:cNvPicPr>
+          <p:nvPr/>
+        </p:nvPicPr>
+        <p:blipFill>
+          <a:blip r:embed="rId2" r:link="rId3">
+            <a:extLst>
+              <a:ext uri="{28A0092B-C50C-407E-A947-70E740481C1C}">
+                <a14:useLocalDpi xmlns:a14="http://schemas.microsoft.com/office/drawing/2010/main" val="0"/>
+              </a:ext>
+            </a:extLst>
+          </a:blip>
+          <a:srcRect/>
+          <a:stretch>
+            <a:fillRect/>
+          </a:stretch>
+        </p:blipFill>
+        <p:spPr bwMode="auto">
+          <a:xfrm>
+            <a:off x="1691149" y="242041"/>
+            <a:ext cx="9027651" cy="6373918"/>
+          </a:xfrm>
+          <a:prstGeom prst="rect">
+            <a:avLst/>
+          </a:prstGeom>
+          <a:noFill/>
+          <a:extLst>
+            <a:ext uri="{909E8E84-426E-40DD-AFC4-6F175D3DCCD1}">
+              <a14:hiddenFill xmlns:a14="http://schemas.microsoft.com/office/drawing/2010/main">
+                <a:solidFill>
+                  <a:srgbClr val="FFFFFF"/>
+                </a:solidFill>
+              </a14:hiddenFill>
+            </a:ext>
+          </a:extLst>
+        </p:spPr>
+      </p:pic>
+    </p:spTree>
+    <p:extLst>
+      <p:ext uri="{BB962C8B-B14F-4D97-AF65-F5344CB8AC3E}">
+        <p14:creationId xmlns:p14="http://schemas.microsoft.com/office/powerpoint/2010/main" val="3227435045"/>
+      </p:ext>
+    </p:extLst>
+  </p:cSld>
+  <p:clrMapOvr>
+    <a:masterClrMapping/>
+  </p:clrMapOvr>
+</p:sld>
+</file>
+
+<file path=ppt/slides/slide17.xml><?xml version="1.0" encoding="utf-8"?>
+<p:sld xmlns:a="http://schemas.openxmlformats.org/drawingml/2006/main" xmlns:r="http://schemas.openxmlformats.org/officeDocument/2006/relationships" xmlns:p="http://schemas.openxmlformats.org/presentationml/2006/main">
+  <p:cSld>
     <p:bg>
       <p:bgPr>
         <a:solidFill>
